--- a/doc/icast2023_Poster_Format0912.pptx
+++ b/doc/icast2023_Poster_Format0912.pptx
@@ -208,7 +208,7 @@
           <a:p>
             <a:fld id="{B52A1C3F-EEBE-AB45-8DBE-EA9B66189A04}" type="datetimeFigureOut">
               <a:rPr kumimoji="1" lang="zh-TW" altLang="en-US" smtClean="0"/>
-              <a:t>58/12/23</a:t>
+              <a:t>53/22/23</a:t>
             </a:fld>
             <a:endParaRPr kumimoji="1" lang="zh-TW" altLang="en-US"/>
           </a:p>
@@ -752,7 +752,7 @@
           <a:p>
             <a:fld id="{45DC0090-7CAB-4D71-911A-50DD3199B269}" type="datetimeFigureOut">
               <a:rPr lang="zh-TW" altLang="en-US" smtClean="0"/>
-              <a:t>58/12/23</a:t>
+              <a:t>53/22/23</a:t>
             </a:fld>
             <a:endParaRPr lang="zh-TW" altLang="en-US"/>
           </a:p>
@@ -978,7 +978,7 @@
         <p:spPr>
           <a:xfrm>
             <a:off x="1584326" y="504281"/>
-            <a:ext cx="18614197" cy="2246769"/>
+            <a:ext cx="18614197" cy="2015936"/>
           </a:xfrm>
           <a:prstGeom prst="rect">
             <a:avLst/>
@@ -1047,7 +1047,7 @@
           </a:p>
           <a:p>
             <a:r>
-              <a:rPr lang="en-US" altLang="zh-TW" sz="6000" b="1" dirty="0" smtClean="0">
+              <a:rPr lang="en-US" altLang="zh-TW" sz="4500" b="1" dirty="0" smtClean="0">
                 <a:solidFill>
                   <a:schemeClr val="bg1"/>
                 </a:solidFill>
@@ -1055,31 +1055,9 @@
                 <a:cs typeface="Times New Roman" panose="02020603050405020304" pitchFamily="18" charset="0"/>
                 <a:sym typeface="Wingdings" panose="05000000000000000000" pitchFamily="2" charset="2"/>
               </a:rPr>
-              <a:t>Technologies and Applications of </a:t>
-            </a:r>
-            <a:r>
-              <a:rPr lang="en-US" altLang="zh-TW" sz="6000" b="1" dirty="0" err="1" smtClean="0">
-                <a:solidFill>
-                  <a:schemeClr val="bg1"/>
-                </a:solidFill>
-                <a:latin typeface="Times New Roman" panose="02020603050405020304" pitchFamily="18" charset="0"/>
-                <a:cs typeface="Times New Roman" panose="02020603050405020304" pitchFamily="18" charset="0"/>
-                <a:sym typeface="Wingdings" panose="05000000000000000000" pitchFamily="2" charset="2"/>
-              </a:rPr>
-              <a:t>Artificaial</a:t>
-            </a:r>
-            <a:r>
-              <a:rPr lang="en-US" altLang="zh-TW" sz="6000" b="1" dirty="0" smtClean="0">
-                <a:solidFill>
-                  <a:schemeClr val="bg1"/>
-                </a:solidFill>
-                <a:latin typeface="Times New Roman" panose="02020603050405020304" pitchFamily="18" charset="0"/>
-                <a:cs typeface="Times New Roman" panose="02020603050405020304" pitchFamily="18" charset="0"/>
-                <a:sym typeface="Wingdings" panose="05000000000000000000" pitchFamily="2" charset="2"/>
-              </a:rPr>
-              <a:t> Intelligence</a:t>
-            </a:r>
-            <a:endParaRPr lang="zh-TW" altLang="en-US" sz="6000" b="1" dirty="0">
+              <a:t>The 12th International Conference on Awareness Science and Technology</a:t>
+            </a:r>
+            <a:endParaRPr lang="zh-TW" altLang="en-US" sz="4500" b="1" dirty="0">
               <a:solidFill>
                 <a:schemeClr val="bg1"/>
               </a:solidFill>

--- a/doc/icast2023_Poster_Format0912.pptx
+++ b/doc/icast2023_Poster_Format0912.pptx
@@ -208,7 +208,7 @@
           <a:p>
             <a:fld id="{B52A1C3F-EEBE-AB45-8DBE-EA9B66189A04}" type="datetimeFigureOut">
               <a:rPr kumimoji="1" lang="zh-TW" altLang="en-US" smtClean="0"/>
-              <a:t>53/22/23</a:t>
+              <a:t>58/22/23</a:t>
             </a:fld>
             <a:endParaRPr kumimoji="1" lang="zh-TW" altLang="en-US"/>
           </a:p>
@@ -752,7 +752,7 @@
           <a:p>
             <a:fld id="{45DC0090-7CAB-4D71-911A-50DD3199B269}" type="datetimeFigureOut">
               <a:rPr lang="zh-TW" altLang="en-US" smtClean="0"/>
-              <a:t>53/22/23</a:t>
+              <a:t>58/22/23</a:t>
             </a:fld>
             <a:endParaRPr lang="zh-TW" altLang="en-US"/>
           </a:p>
@@ -992,22 +992,13 @@
           <a:lstStyle/>
           <a:p>
             <a:r>
-              <a:rPr lang="en-US" altLang="zh-TW" sz="8000" spc="1200" baseline="0" dirty="0" err="1" smtClean="0">
-                <a:solidFill>
-                  <a:schemeClr val="bg1"/>
-                </a:solidFill>
-                <a:latin typeface="Name Smile" panose="02000500000000000000" pitchFamily="2" charset="0"/>
-              </a:rPr>
-              <a:t>iCAST</a:t>
-            </a:r>
-            <a:r>
               <a:rPr lang="en-US" altLang="zh-TW" sz="8000" spc="1200" baseline="0" dirty="0" smtClean="0">
                 <a:solidFill>
                   <a:schemeClr val="bg1"/>
                 </a:solidFill>
                 <a:latin typeface="Name Smile" panose="02000500000000000000" pitchFamily="2" charset="0"/>
               </a:rPr>
-              <a:t> 2023 </a:t>
+              <a:t>iCAST2023 </a:t>
             </a:r>
             <a:r>
               <a:rPr lang="en-US" altLang="zh-TW" sz="8000" spc="1200" baseline="0" dirty="0" smtClean="0">

--- a/doc/icast2023_Poster_Format0912.pptx
+++ b/doc/icast2023_Poster_Format0912.pptx
@@ -208,7 +208,7 @@
           <a:p>
             <a:fld id="{B52A1C3F-EEBE-AB45-8DBE-EA9B66189A04}" type="datetimeFigureOut">
               <a:rPr kumimoji="1" lang="zh-TW" altLang="en-US" smtClean="0"/>
-              <a:t>58/22/23</a:t>
+              <a:t>23/2/23</a:t>
             </a:fld>
             <a:endParaRPr kumimoji="1" lang="zh-TW" altLang="en-US"/>
           </a:p>
@@ -752,7 +752,7 @@
           <a:p>
             <a:fld id="{45DC0090-7CAB-4D71-911A-50DD3199B269}" type="datetimeFigureOut">
               <a:rPr lang="zh-TW" altLang="en-US" smtClean="0"/>
-              <a:t>58/22/23</a:t>
+              <a:t>23/2/23</a:t>
             </a:fld>
             <a:endParaRPr lang="zh-TW" altLang="en-US"/>
           </a:p>
@@ -1515,8 +1515,12 @@
           <a:lstStyle/>
           <a:p>
             <a:r>
+              <a:rPr lang="zh-TW" altLang="en-US" dirty="0" smtClean="0"/>
+              <a:t>國科會計畫</a:t>
+            </a:r>
+            <a:r>
               <a:rPr lang="zh-TW" altLang="en-US" dirty="0"/>
-              <a:t>科技部計畫名稱：低耗電穿戴式裝置晶片系統</a:t>
+              <a:t>名稱：低耗電穿戴式裝置晶片系統</a:t>
             </a:r>
             <a:r>
               <a:rPr lang="en-US" altLang="zh-TW" dirty="0"/>
@@ -1532,12 +1536,12 @@
           </a:p>
           <a:p>
             <a:r>
-              <a:rPr lang="zh-TW" altLang="en-US" dirty="0" smtClean="0"/>
-              <a:t>科技</a:t>
+              <a:rPr lang="zh-TW" altLang="en-US" smtClean="0"/>
+              <a:t>國科會計畫</a:t>
             </a:r>
             <a:r>
               <a:rPr lang="zh-TW" altLang="en-US" dirty="0"/>
-              <a:t>部計畫編號：</a:t>
+              <a:t>編號：</a:t>
             </a:r>
             <a:r>
               <a:rPr lang="en-US" altLang="zh-TW" dirty="0"/>
